--- a/MSDS451 TERM Project.pptx
+++ b/MSDS451 TERM Project.pptx
@@ -5,20 +5,27 @@
     <p:sldMasterId id="2147483648" r:id="rId4"/>
   </p:sldMasterIdLst>
   <p:notesMasterIdLst>
-    <p:notesMasterId r:id="rId13"/>
+    <p:notesMasterId r:id="rId20"/>
   </p:notesMasterIdLst>
   <p:handoutMasterIdLst>
-    <p:handoutMasterId r:id="rId14"/>
+    <p:handoutMasterId r:id="rId21"/>
   </p:handoutMasterIdLst>
   <p:sldIdLst>
     <p:sldId id="273" r:id="rId5"/>
     <p:sldId id="261" r:id="rId6"/>
     <p:sldId id="279" r:id="rId7"/>
     <p:sldId id="284" r:id="rId8"/>
-    <p:sldId id="277" r:id="rId9"/>
-    <p:sldId id="265" r:id="rId10"/>
-    <p:sldId id="266" r:id="rId11"/>
-    <p:sldId id="282" r:id="rId12"/>
+    <p:sldId id="285" r:id="rId9"/>
+    <p:sldId id="286" r:id="rId10"/>
+    <p:sldId id="287" r:id="rId11"/>
+    <p:sldId id="288" r:id="rId12"/>
+    <p:sldId id="277" r:id="rId13"/>
+    <p:sldId id="265" r:id="rId14"/>
+    <p:sldId id="289" r:id="rId15"/>
+    <p:sldId id="290" r:id="rId16"/>
+    <p:sldId id="291" r:id="rId17"/>
+    <p:sldId id="266" r:id="rId18"/>
+    <p:sldId id="282" r:id="rId19"/>
   </p:sldIdLst>
   <p:sldSz cx="12192000" cy="6858000"/>
   <p:notesSz cx="6858000" cy="9144000"/>
@@ -1097,7 +1104,7 @@
           <a:p>
             <a:fld id="{55247812-3409-784D-BAE7-ABE53735D59F}" type="slidenum">
               <a:rPr lang="en-US" smtClean="0"/>
-              <a:t>5</a:t>
+              <a:t>9</a:t>
             </a:fld>
             <a:endParaRPr lang="en-US"/>
           </a:p>
@@ -1181,7 +1188,7 @@
           <a:p>
             <a:fld id="{55247812-3409-784D-BAE7-ABE53735D59F}" type="slidenum">
               <a:rPr lang="en-US" smtClean="0"/>
-              <a:t>6</a:t>
+              <a:t>10</a:t>
             </a:fld>
             <a:endParaRPr lang="en-US"/>
           </a:p>
@@ -1265,7 +1272,7 @@
           <a:p>
             <a:fld id="{55247812-3409-784D-BAE7-ABE53735D59F}" type="slidenum">
               <a:rPr lang="en-US" smtClean="0"/>
-              <a:t>7</a:t>
+              <a:t>14</a:t>
             </a:fld>
             <a:endParaRPr lang="en-US"/>
           </a:p>
@@ -5627,6 +5634,802 @@
 </p:sld>
 </file>
 
+<file path=ppt/slides/slide10.xml><?xml version="1.0" encoding="utf-8"?>
+<p:sld xmlns:a="http://schemas.openxmlformats.org/drawingml/2006/main" xmlns:r="http://schemas.openxmlformats.org/officeDocument/2006/relationships" xmlns:p="http://schemas.openxmlformats.org/presentationml/2006/main">
+  <p:cSld>
+    <p:spTree>
+      <p:nvGrpSpPr>
+        <p:cNvPr id="1" name=""/>
+        <p:cNvGrpSpPr/>
+        <p:nvPr/>
+      </p:nvGrpSpPr>
+      <p:grpSpPr>
+        <a:xfrm>
+          <a:off x="0" y="0"/>
+          <a:ext cx="0" cy="0"/>
+          <a:chOff x="0" y="0"/>
+          <a:chExt cx="0" cy="0"/>
+        </a:xfrm>
+      </p:grpSpPr>
+      <p:sp>
+        <p:nvSpPr>
+          <p:cNvPr id="2" name="Title 1">
+            <a:extLst>
+              <a:ext uri="{FF2B5EF4-FFF2-40B4-BE49-F238E27FC236}">
+                <a16:creationId xmlns:a16="http://schemas.microsoft.com/office/drawing/2014/main" id="{314C27C8-165C-5513-DB4B-9D840097C545}"/>
+              </a:ext>
+            </a:extLst>
+          </p:cNvPr>
+          <p:cNvSpPr>
+            <a:spLocks noGrp="1"/>
+          </p:cNvSpPr>
+          <p:nvPr>
+            <p:ph type="title"/>
+          </p:nvPr>
+        </p:nvSpPr>
+        <p:spPr>
+          <a:xfrm>
+            <a:off x="838200" y="365760"/>
+            <a:ext cx="10515600" cy="1325880"/>
+          </a:xfrm>
+          <a:noFill/>
+        </p:spPr>
+        <p:txBody>
+          <a:bodyPr anchor="ctr"/>
+          <a:lstStyle/>
+          <a:p>
+            <a:r>
+              <a:rPr lang="en-US" dirty="0"/>
+              <a:t>Fee Modeling &amp; Business Insight</a:t>
+            </a:r>
+          </a:p>
+        </p:txBody>
+      </p:sp>
+      <p:sp>
+        <p:nvSpPr>
+          <p:cNvPr id="4" name="Content Placeholder 3">
+            <a:extLst>
+              <a:ext uri="{FF2B5EF4-FFF2-40B4-BE49-F238E27FC236}">
+                <a16:creationId xmlns:a16="http://schemas.microsoft.com/office/drawing/2014/main" id="{83302BFD-960F-CBB3-E984-CDC12813A10C}"/>
+              </a:ext>
+            </a:extLst>
+          </p:cNvPr>
+          <p:cNvSpPr>
+            <a:spLocks noGrp="1"/>
+          </p:cNvSpPr>
+          <p:nvPr>
+            <p:ph sz="quarter" idx="14"/>
+          </p:nvPr>
+        </p:nvSpPr>
+        <p:spPr>
+          <a:xfrm>
+            <a:off x="838200" y="1929207"/>
+            <a:ext cx="6781800" cy="4137189"/>
+          </a:xfrm>
+          <a:noFill/>
+        </p:spPr>
+        <p:txBody>
+          <a:bodyPr>
+            <a:normAutofit/>
+          </a:bodyPr>
+          <a:lstStyle/>
+          <a:p>
+            <a:r>
+              <a:rPr lang="en-US" dirty="0"/>
+              <a:t>Fee Structures Tested: 1–3% management, 10–25% performance</a:t>
+            </a:r>
+          </a:p>
+          <a:p>
+            <a:r>
+              <a:rPr lang="en-US" dirty="0"/>
+              <a:t>- Fund Viability:</a:t>
+            </a:r>
+          </a:p>
+          <a:p>
+            <a:r>
+              <a:rPr lang="en-US" dirty="0"/>
+              <a:t>  • Break-even AUM: ~$3–5 million</a:t>
+            </a:r>
+          </a:p>
+          <a:p>
+            <a:r>
+              <a:rPr lang="en-US" dirty="0"/>
+              <a:t>  • At $5M AUM, net profit ≈ $710K annually</a:t>
+            </a:r>
+          </a:p>
+          <a:p>
+            <a:r>
+              <a:rPr lang="en-US" dirty="0"/>
+              <a:t>  • Higher AUM scales profitability substantially</a:t>
+            </a:r>
+          </a:p>
+        </p:txBody>
+      </p:sp>
+      <p:sp>
+        <p:nvSpPr>
+          <p:cNvPr id="5" name="Rectangle 4">
+            <a:extLst>
+              <a:ext uri="{FF2B5EF4-FFF2-40B4-BE49-F238E27FC236}">
+                <a16:creationId xmlns:a16="http://schemas.microsoft.com/office/drawing/2014/main" id="{C80227B8-A24C-8C29-034A-D7700B887685}"/>
+              </a:ext>
+              <a:ext uri="{C183D7F6-B498-43B3-948B-1728B52AA6E4}">
+                <adec:decorative xmlns:adec="http://schemas.microsoft.com/office/drawing/2017/decorative" val="1"/>
+              </a:ext>
+            </a:extLst>
+          </p:cNvPr>
+          <p:cNvSpPr/>
+          <p:nvPr/>
+        </p:nvSpPr>
+        <p:spPr>
+          <a:xfrm>
+            <a:off x="0" y="6303963"/>
+            <a:ext cx="12192000" cy="554037"/>
+          </a:xfrm>
+          <a:prstGeom prst="rect">
+            <a:avLst/>
+          </a:prstGeom>
+          <a:gradFill flip="none" rotWithShape="1">
+            <a:gsLst>
+              <a:gs pos="0">
+                <a:schemeClr val="accent5"/>
+              </a:gs>
+              <a:gs pos="100000">
+                <a:schemeClr val="accent2">
+                  <a:lumMod val="97000"/>
+                  <a:lumOff val="3000"/>
+                </a:schemeClr>
+              </a:gs>
+              <a:gs pos="50000">
+                <a:schemeClr val="accent1"/>
+              </a:gs>
+            </a:gsLst>
+            <a:lin ang="10800000" scaled="1"/>
+            <a:tileRect/>
+          </a:gradFill>
+          <a:ln>
+            <a:noFill/>
+          </a:ln>
+        </p:spPr>
+        <p:style>
+          <a:lnRef idx="2">
+            <a:schemeClr val="accent1">
+              <a:shade val="50000"/>
+            </a:schemeClr>
+          </a:lnRef>
+          <a:fillRef idx="1">
+            <a:schemeClr val="accent1"/>
+          </a:fillRef>
+          <a:effectRef idx="0">
+            <a:schemeClr val="accent1"/>
+          </a:effectRef>
+          <a:fontRef idx="minor">
+            <a:schemeClr val="lt1"/>
+          </a:fontRef>
+        </p:style>
+        <p:txBody>
+          <a:bodyPr rtlCol="0" anchor="ctr">
+            <a:noAutofit/>
+          </a:bodyPr>
+          <a:lstStyle/>
+          <a:p>
+            <a:pPr algn="ctr"/>
+            <a:endParaRPr lang="en-US" dirty="0"/>
+          </a:p>
+        </p:txBody>
+      </p:sp>
+    </p:spTree>
+    <p:extLst>
+      <p:ext uri="{BB962C8B-B14F-4D97-AF65-F5344CB8AC3E}">
+        <p14:creationId xmlns:p14="http://schemas.microsoft.com/office/powerpoint/2010/main" val="729609147"/>
+      </p:ext>
+    </p:extLst>
+  </p:cSld>
+  <p:clrMapOvr>
+    <a:masterClrMapping/>
+  </p:clrMapOvr>
+</p:sld>
+</file>
+
+<file path=ppt/slides/slide11.xml><?xml version="1.0" encoding="utf-8"?>
+<p:sld xmlns:a="http://schemas.openxmlformats.org/drawingml/2006/main" xmlns:r="http://schemas.openxmlformats.org/officeDocument/2006/relationships" xmlns:p="http://schemas.openxmlformats.org/presentationml/2006/main">
+  <p:cSld>
+    <p:spTree>
+      <p:nvGrpSpPr>
+        <p:cNvPr id="1" name=""/>
+        <p:cNvGrpSpPr/>
+        <p:nvPr/>
+      </p:nvGrpSpPr>
+      <p:grpSpPr>
+        <a:xfrm>
+          <a:off x="0" y="0"/>
+          <a:ext cx="0" cy="0"/>
+          <a:chOff x="0" y="0"/>
+          <a:chExt cx="0" cy="0"/>
+        </a:xfrm>
+      </p:grpSpPr>
+      <p:pic>
+        <p:nvPicPr>
+          <p:cNvPr id="6" name="Content Placeholder 5">
+            <a:extLst>
+              <a:ext uri="{FF2B5EF4-FFF2-40B4-BE49-F238E27FC236}">
+                <a16:creationId xmlns:a16="http://schemas.microsoft.com/office/drawing/2014/main" id="{69CD28DD-D457-01BE-7A77-E582986650A0}"/>
+              </a:ext>
+            </a:extLst>
+          </p:cNvPr>
+          <p:cNvPicPr>
+            <a:picLocks noGrp="1" noChangeAspect="1"/>
+          </p:cNvPicPr>
+          <p:nvPr>
+            <p:ph sz="quarter" idx="13"/>
+          </p:nvPr>
+        </p:nvPicPr>
+        <p:blipFill>
+          <a:blip r:embed="rId2"/>
+          <a:stretch>
+            <a:fillRect/>
+          </a:stretch>
+        </p:blipFill>
+        <p:spPr>
+          <a:xfrm>
+            <a:off x="1877786" y="616933"/>
+            <a:ext cx="8622742" cy="5362923"/>
+          </a:xfrm>
+        </p:spPr>
+      </p:pic>
+    </p:spTree>
+    <p:extLst>
+      <p:ext uri="{BB962C8B-B14F-4D97-AF65-F5344CB8AC3E}">
+        <p14:creationId xmlns:p14="http://schemas.microsoft.com/office/powerpoint/2010/main" val="2809101786"/>
+      </p:ext>
+    </p:extLst>
+  </p:cSld>
+  <p:clrMapOvr>
+    <a:masterClrMapping/>
+  </p:clrMapOvr>
+</p:sld>
+</file>
+
+<file path=ppt/slides/slide12.xml><?xml version="1.0" encoding="utf-8"?>
+<p:sld xmlns:a="http://schemas.openxmlformats.org/drawingml/2006/main" xmlns:r="http://schemas.openxmlformats.org/officeDocument/2006/relationships" xmlns:p="http://schemas.openxmlformats.org/presentationml/2006/main">
+  <p:cSld>
+    <p:spTree>
+      <p:nvGrpSpPr>
+        <p:cNvPr id="1" name=""/>
+        <p:cNvGrpSpPr/>
+        <p:nvPr/>
+      </p:nvGrpSpPr>
+      <p:grpSpPr>
+        <a:xfrm>
+          <a:off x="0" y="0"/>
+          <a:ext cx="0" cy="0"/>
+          <a:chOff x="0" y="0"/>
+          <a:chExt cx="0" cy="0"/>
+        </a:xfrm>
+      </p:grpSpPr>
+      <p:pic>
+        <p:nvPicPr>
+          <p:cNvPr id="6" name="Content Placeholder 5">
+            <a:extLst>
+              <a:ext uri="{FF2B5EF4-FFF2-40B4-BE49-F238E27FC236}">
+                <a16:creationId xmlns:a16="http://schemas.microsoft.com/office/drawing/2014/main" id="{F9AB97FC-FFA5-7B9E-723B-A5BEB639E1DD}"/>
+              </a:ext>
+            </a:extLst>
+          </p:cNvPr>
+          <p:cNvPicPr>
+            <a:picLocks noGrp="1" noChangeAspect="1"/>
+          </p:cNvPicPr>
+          <p:nvPr>
+            <p:ph sz="quarter" idx="13"/>
+          </p:nvPr>
+        </p:nvPicPr>
+        <p:blipFill>
+          <a:blip r:embed="rId2"/>
+          <a:stretch>
+            <a:fillRect/>
+          </a:stretch>
+        </p:blipFill>
+        <p:spPr>
+          <a:xfrm>
+            <a:off x="1124491" y="737419"/>
+            <a:ext cx="9943017" cy="5220473"/>
+          </a:xfrm>
+        </p:spPr>
+      </p:pic>
+      <p:sp>
+        <p:nvSpPr>
+          <p:cNvPr id="9" name="TextBox 8">
+            <a:extLst>
+              <a:ext uri="{FF2B5EF4-FFF2-40B4-BE49-F238E27FC236}">
+                <a16:creationId xmlns:a16="http://schemas.microsoft.com/office/drawing/2014/main" id="{2D2F3DF9-8235-2BB1-4877-2E85A0020BDE}"/>
+              </a:ext>
+            </a:extLst>
+          </p:cNvPr>
+          <p:cNvSpPr txBox="1"/>
+          <p:nvPr/>
+        </p:nvSpPr>
+        <p:spPr>
+          <a:xfrm>
+            <a:off x="5093108" y="715442"/>
+            <a:ext cx="1229034" cy="369332"/>
+          </a:xfrm>
+          <a:prstGeom prst="rect">
+            <a:avLst/>
+          </a:prstGeom>
+          <a:noFill/>
+        </p:spPr>
+        <p:txBody>
+          <a:bodyPr wrap="square" rtlCol="0">
+            <a:spAutoFit/>
+          </a:bodyPr>
+          <a:lstStyle/>
+          <a:p>
+            <a:r>
+              <a:rPr lang="en-US" dirty="0">
+                <a:solidFill>
+                  <a:srgbClr val="00B050"/>
+                </a:solidFill>
+                <a:highlight>
+                  <a:srgbClr val="000000"/>
+                </a:highlight>
+              </a:rPr>
+              <a:t>2015-2025</a:t>
+            </a:r>
+          </a:p>
+        </p:txBody>
+      </p:sp>
+    </p:spTree>
+    <p:extLst>
+      <p:ext uri="{BB962C8B-B14F-4D97-AF65-F5344CB8AC3E}">
+        <p14:creationId xmlns:p14="http://schemas.microsoft.com/office/powerpoint/2010/main" val="2417741008"/>
+      </p:ext>
+    </p:extLst>
+  </p:cSld>
+  <p:clrMapOvr>
+    <a:masterClrMapping/>
+  </p:clrMapOvr>
+</p:sld>
+</file>
+
+<file path=ppt/slides/slide13.xml><?xml version="1.0" encoding="utf-8"?>
+<p:sld xmlns:a="http://schemas.openxmlformats.org/drawingml/2006/main" xmlns:r="http://schemas.openxmlformats.org/officeDocument/2006/relationships" xmlns:p="http://schemas.openxmlformats.org/presentationml/2006/main">
+  <p:cSld>
+    <p:spTree>
+      <p:nvGrpSpPr>
+        <p:cNvPr id="1" name=""/>
+        <p:cNvGrpSpPr/>
+        <p:nvPr/>
+      </p:nvGrpSpPr>
+      <p:grpSpPr>
+        <a:xfrm>
+          <a:off x="0" y="0"/>
+          <a:ext cx="0" cy="0"/>
+          <a:chOff x="0" y="0"/>
+          <a:chExt cx="0" cy="0"/>
+        </a:xfrm>
+      </p:grpSpPr>
+      <p:pic>
+        <p:nvPicPr>
+          <p:cNvPr id="6" name="Content Placeholder 5">
+            <a:extLst>
+              <a:ext uri="{FF2B5EF4-FFF2-40B4-BE49-F238E27FC236}">
+                <a16:creationId xmlns:a16="http://schemas.microsoft.com/office/drawing/2014/main" id="{598CAC9D-ACCC-5C75-6CDD-B5F27B925B88}"/>
+              </a:ext>
+            </a:extLst>
+          </p:cNvPr>
+          <p:cNvPicPr>
+            <a:picLocks noGrp="1" noChangeAspect="1"/>
+          </p:cNvPicPr>
+          <p:nvPr>
+            <p:ph sz="quarter" idx="13"/>
+          </p:nvPr>
+        </p:nvPicPr>
+        <p:blipFill>
+          <a:blip r:embed="rId2"/>
+          <a:stretch>
+            <a:fillRect/>
+          </a:stretch>
+        </p:blipFill>
+        <p:spPr>
+          <a:xfrm>
+            <a:off x="743564" y="726082"/>
+            <a:ext cx="10704871" cy="5405835"/>
+          </a:xfrm>
+        </p:spPr>
+      </p:pic>
+      <p:sp>
+        <p:nvSpPr>
+          <p:cNvPr id="7" name="TextBox 6">
+            <a:extLst>
+              <a:ext uri="{FF2B5EF4-FFF2-40B4-BE49-F238E27FC236}">
+                <a16:creationId xmlns:a16="http://schemas.microsoft.com/office/drawing/2014/main" id="{3BD6B848-E07B-8A75-BB47-02EF0855D790}"/>
+              </a:ext>
+            </a:extLst>
+          </p:cNvPr>
+          <p:cNvSpPr txBox="1"/>
+          <p:nvPr/>
+        </p:nvSpPr>
+        <p:spPr>
+          <a:xfrm>
+            <a:off x="5014450" y="636784"/>
+            <a:ext cx="1229034" cy="369332"/>
+          </a:xfrm>
+          <a:prstGeom prst="rect">
+            <a:avLst/>
+          </a:prstGeom>
+          <a:noFill/>
+        </p:spPr>
+        <p:txBody>
+          <a:bodyPr wrap="square" rtlCol="0">
+            <a:spAutoFit/>
+          </a:bodyPr>
+          <a:lstStyle/>
+          <a:p>
+            <a:r>
+              <a:rPr lang="en-US" dirty="0">
+                <a:solidFill>
+                  <a:srgbClr val="00B050"/>
+                </a:solidFill>
+                <a:highlight>
+                  <a:srgbClr val="000000"/>
+                </a:highlight>
+              </a:rPr>
+              <a:t>2015-2025</a:t>
+            </a:r>
+          </a:p>
+        </p:txBody>
+      </p:sp>
+    </p:spTree>
+    <p:extLst>
+      <p:ext uri="{BB962C8B-B14F-4D97-AF65-F5344CB8AC3E}">
+        <p14:creationId xmlns:p14="http://schemas.microsoft.com/office/powerpoint/2010/main" val="1146806870"/>
+      </p:ext>
+    </p:extLst>
+  </p:cSld>
+  <p:clrMapOvr>
+    <a:masterClrMapping/>
+  </p:clrMapOvr>
+</p:sld>
+</file>
+
+<file path=ppt/slides/slide14.xml><?xml version="1.0" encoding="utf-8"?>
+<p:sld xmlns:a="http://schemas.openxmlformats.org/drawingml/2006/main" xmlns:r="http://schemas.openxmlformats.org/officeDocument/2006/relationships" xmlns:p="http://schemas.openxmlformats.org/presentationml/2006/main">
+  <p:cSld>
+    <p:spTree>
+      <p:nvGrpSpPr>
+        <p:cNvPr id="1" name=""/>
+        <p:cNvGrpSpPr/>
+        <p:nvPr/>
+      </p:nvGrpSpPr>
+      <p:grpSpPr>
+        <a:xfrm>
+          <a:off x="0" y="0"/>
+          <a:ext cx="0" cy="0"/>
+          <a:chOff x="0" y="0"/>
+          <a:chExt cx="0" cy="0"/>
+        </a:xfrm>
+      </p:grpSpPr>
+      <p:sp>
+        <p:nvSpPr>
+          <p:cNvPr id="2" name="Title 1">
+            <a:extLst>
+              <a:ext uri="{FF2B5EF4-FFF2-40B4-BE49-F238E27FC236}">
+                <a16:creationId xmlns:a16="http://schemas.microsoft.com/office/drawing/2014/main" id="{5D030A76-B788-B363-104E-266B7C7F7208}"/>
+              </a:ext>
+            </a:extLst>
+          </p:cNvPr>
+          <p:cNvSpPr>
+            <a:spLocks noGrp="1"/>
+          </p:cNvSpPr>
+          <p:nvPr>
+            <p:ph type="title"/>
+          </p:nvPr>
+        </p:nvSpPr>
+        <p:spPr>
+          <a:xfrm>
+            <a:off x="838200" y="365760"/>
+            <a:ext cx="10515600" cy="1325563"/>
+          </a:xfrm>
+          <a:noFill/>
+        </p:spPr>
+        <p:txBody>
+          <a:bodyPr anchor="ctr"/>
+          <a:lstStyle/>
+          <a:p>
+            <a:r>
+              <a:rPr lang="en-US" dirty="0"/>
+              <a:t>Management Recommendation</a:t>
+            </a:r>
+          </a:p>
+        </p:txBody>
+      </p:sp>
+      <p:sp>
+        <p:nvSpPr>
+          <p:cNvPr id="3" name="Content Placeholder 2">
+            <a:extLst>
+              <a:ext uri="{FF2B5EF4-FFF2-40B4-BE49-F238E27FC236}">
+                <a16:creationId xmlns:a16="http://schemas.microsoft.com/office/drawing/2014/main" id="{05948542-FCE1-3AE6-C6C9-17975609DF70}"/>
+              </a:ext>
+            </a:extLst>
+          </p:cNvPr>
+          <p:cNvSpPr>
+            <a:spLocks noGrp="1"/>
+          </p:cNvSpPr>
+          <p:nvPr>
+            <p:ph sz="quarter" idx="15"/>
+          </p:nvPr>
+        </p:nvSpPr>
+        <p:spPr>
+          <a:xfrm>
+            <a:off x="838200" y="1790329"/>
+            <a:ext cx="5134335" cy="4113054"/>
+          </a:xfrm>
+          <a:noFill/>
+        </p:spPr>
+        <p:txBody>
+          <a:bodyPr vert="horz" lIns="91440" tIns="45720" rIns="91440" bIns="45720" rtlCol="0" anchor="t">
+            <a:normAutofit fontScale="92500"/>
+          </a:bodyPr>
+          <a:lstStyle/>
+          <a:p>
+            <a:r>
+              <a:rPr lang="en-US" dirty="0"/>
+              <a:t>- Investor View: Viable with strong risk-adjusted returns</a:t>
+            </a:r>
+          </a:p>
+          <a:p>
+            <a:r>
+              <a:rPr lang="en-US" dirty="0"/>
+              <a:t>- Manager View: Profitable above $5M AUM</a:t>
+            </a:r>
+          </a:p>
+          <a:p>
+            <a:r>
+              <a:rPr lang="en-US" dirty="0"/>
+              <a:t>- Business Case: Attractive opportunity for both clients and managers</a:t>
+            </a:r>
+          </a:p>
+          <a:p>
+            <a:r>
+              <a:rPr lang="en-US" dirty="0"/>
+              <a:t>- Proposed Roles:</a:t>
+            </a:r>
+          </a:p>
+          <a:p>
+            <a:r>
+              <a:rPr lang="en-US" dirty="0"/>
+              <a:t>  • Fund Manager</a:t>
+            </a:r>
+          </a:p>
+          <a:p>
+            <a:r>
+              <a:rPr lang="en-US" dirty="0"/>
+              <a:t>  • Research Analyst</a:t>
+            </a:r>
+          </a:p>
+          <a:p>
+            <a:r>
+              <a:rPr lang="en-US" dirty="0"/>
+              <a:t>  • CEO / Operations Lead</a:t>
+            </a:r>
+          </a:p>
+          <a:p>
+            <a:pPr lvl="1"/>
+            <a:endParaRPr lang="en-US" dirty="0"/>
+          </a:p>
+        </p:txBody>
+      </p:sp>
+      <p:sp>
+        <p:nvSpPr>
+          <p:cNvPr id="5" name="Rectangle 4">
+            <a:extLst>
+              <a:ext uri="{FF2B5EF4-FFF2-40B4-BE49-F238E27FC236}">
+                <a16:creationId xmlns:a16="http://schemas.microsoft.com/office/drawing/2014/main" id="{3EE39F69-A1C6-AF25-B91E-7EEE8ED9E9D8}"/>
+              </a:ext>
+              <a:ext uri="{C183D7F6-B498-43B3-948B-1728B52AA6E4}">
+                <adec:decorative xmlns:adec="http://schemas.microsoft.com/office/drawing/2017/decorative" val="1"/>
+              </a:ext>
+            </a:extLst>
+          </p:cNvPr>
+          <p:cNvSpPr/>
+          <p:nvPr/>
+        </p:nvSpPr>
+        <p:spPr>
+          <a:xfrm>
+            <a:off x="0" y="6303963"/>
+            <a:ext cx="12192000" cy="554037"/>
+          </a:xfrm>
+          <a:prstGeom prst="rect">
+            <a:avLst/>
+          </a:prstGeom>
+          <a:gradFill flip="none" rotWithShape="1">
+            <a:gsLst>
+              <a:gs pos="0">
+                <a:schemeClr val="accent5"/>
+              </a:gs>
+              <a:gs pos="100000">
+                <a:schemeClr val="accent2">
+                  <a:lumMod val="97000"/>
+                  <a:lumOff val="3000"/>
+                </a:schemeClr>
+              </a:gs>
+              <a:gs pos="50000">
+                <a:schemeClr val="accent1"/>
+              </a:gs>
+            </a:gsLst>
+            <a:lin ang="10800000" scaled="1"/>
+            <a:tileRect/>
+          </a:gradFill>
+          <a:ln>
+            <a:noFill/>
+          </a:ln>
+        </p:spPr>
+        <p:style>
+          <a:lnRef idx="2">
+            <a:schemeClr val="accent1">
+              <a:shade val="50000"/>
+            </a:schemeClr>
+          </a:lnRef>
+          <a:fillRef idx="1">
+            <a:schemeClr val="accent1"/>
+          </a:fillRef>
+          <a:effectRef idx="0">
+            <a:schemeClr val="accent1"/>
+          </a:effectRef>
+          <a:fontRef idx="minor">
+            <a:schemeClr val="lt1"/>
+          </a:fontRef>
+        </p:style>
+        <p:txBody>
+          <a:bodyPr rtlCol="0" anchor="ctr">
+            <a:noAutofit/>
+          </a:bodyPr>
+          <a:lstStyle/>
+          <a:p>
+            <a:pPr algn="ctr"/>
+            <a:endParaRPr lang="en-US" dirty="0"/>
+          </a:p>
+        </p:txBody>
+      </p:sp>
+    </p:spTree>
+    <p:extLst>
+      <p:ext uri="{BB962C8B-B14F-4D97-AF65-F5344CB8AC3E}">
+        <p14:creationId xmlns:p14="http://schemas.microsoft.com/office/powerpoint/2010/main" val="643777997"/>
+      </p:ext>
+    </p:extLst>
+  </p:cSld>
+  <p:clrMapOvr>
+    <a:masterClrMapping/>
+  </p:clrMapOvr>
+</p:sld>
+</file>
+
+<file path=ppt/slides/slide15.xml><?xml version="1.0" encoding="utf-8"?>
+<p:sld xmlns:a="http://schemas.openxmlformats.org/drawingml/2006/main" xmlns:r="http://schemas.openxmlformats.org/officeDocument/2006/relationships" xmlns:p="http://schemas.openxmlformats.org/presentationml/2006/main">
+  <p:cSld>
+    <p:spTree>
+      <p:nvGrpSpPr>
+        <p:cNvPr id="1" name=""/>
+        <p:cNvGrpSpPr/>
+        <p:nvPr/>
+      </p:nvGrpSpPr>
+      <p:grpSpPr>
+        <a:xfrm>
+          <a:off x="0" y="0"/>
+          <a:ext cx="0" cy="0"/>
+          <a:chOff x="0" y="0"/>
+          <a:chExt cx="0" cy="0"/>
+        </a:xfrm>
+      </p:grpSpPr>
+      <p:pic>
+        <p:nvPicPr>
+          <p:cNvPr id="5" name="Picture Placeholder 11" descr="A close up of dots&#10;">
+            <a:extLst>
+              <a:ext uri="{FF2B5EF4-FFF2-40B4-BE49-F238E27FC236}">
+                <a16:creationId xmlns:a16="http://schemas.microsoft.com/office/drawing/2014/main" id="{030E03B4-DAB0-F43D-4B1C-C54F75E621A1}"/>
+              </a:ext>
+            </a:extLst>
+          </p:cNvPr>
+          <p:cNvPicPr>
+            <a:picLocks noGrp="1" noChangeAspect="1"/>
+          </p:cNvPicPr>
+          <p:nvPr>
+            <p:ph type="pic" sz="quarter" idx="11"/>
+          </p:nvPr>
+        </p:nvPicPr>
+        <p:blipFill>
+          <a:blip r:embed="rId2"/>
+          <a:srcRect/>
+          <a:stretch/>
+        </p:blipFill>
+        <p:spPr>
+          <a:xfrm>
+            <a:off x="0" y="0"/>
+            <a:ext cx="12192000" cy="6858000"/>
+          </a:xfrm>
+        </p:spPr>
+      </p:pic>
+      <p:sp>
+        <p:nvSpPr>
+          <p:cNvPr id="7" name="Title 6">
+            <a:extLst>
+              <a:ext uri="{FF2B5EF4-FFF2-40B4-BE49-F238E27FC236}">
+                <a16:creationId xmlns:a16="http://schemas.microsoft.com/office/drawing/2014/main" id="{4AB1CD4B-2C7F-1593-8E69-B7450F3DCAD6}"/>
+              </a:ext>
+            </a:extLst>
+          </p:cNvPr>
+          <p:cNvSpPr>
+            <a:spLocks noGrp="1"/>
+          </p:cNvSpPr>
+          <p:nvPr>
+            <p:ph type="title"/>
+          </p:nvPr>
+        </p:nvSpPr>
+        <p:spPr>
+          <a:xfrm>
+            <a:off x="1362437" y="400485"/>
+            <a:ext cx="9467127" cy="2527911"/>
+          </a:xfrm>
+        </p:spPr>
+        <p:txBody>
+          <a:bodyPr/>
+          <a:lstStyle/>
+          <a:p>
+            <a:r>
+              <a:rPr lang="en-US" dirty="0"/>
+              <a:t>THANK YOU</a:t>
+            </a:r>
+          </a:p>
+        </p:txBody>
+      </p:sp>
+      <p:sp>
+        <p:nvSpPr>
+          <p:cNvPr id="8" name="Text Placeholder 7">
+            <a:extLst>
+              <a:ext uri="{FF2B5EF4-FFF2-40B4-BE49-F238E27FC236}">
+                <a16:creationId xmlns:a16="http://schemas.microsoft.com/office/drawing/2014/main" id="{86613063-168A-02B8-4326-BB842F3B83E2}"/>
+              </a:ext>
+            </a:extLst>
+          </p:cNvPr>
+          <p:cNvSpPr>
+            <a:spLocks noGrp="1"/>
+          </p:cNvSpPr>
+          <p:nvPr>
+            <p:ph type="body" sz="quarter" idx="10"/>
+          </p:nvPr>
+        </p:nvSpPr>
+        <p:spPr>
+          <a:xfrm>
+            <a:off x="1362075" y="3738622"/>
+            <a:ext cx="9467850" cy="2527911"/>
+          </a:xfrm>
+        </p:spPr>
+        <p:txBody>
+          <a:bodyPr/>
+          <a:lstStyle/>
+          <a:p>
+            <a:r>
+              <a:rPr lang="en-US" dirty="0"/>
+              <a:t>Blade Robelly</a:t>
+            </a:r>
+          </a:p>
+          <a:p>
+            <a:endParaRPr lang="en-US" dirty="0"/>
+          </a:p>
+        </p:txBody>
+      </p:sp>
+    </p:spTree>
+    <p:extLst>
+      <p:ext uri="{BB962C8B-B14F-4D97-AF65-F5344CB8AC3E}">
+        <p14:creationId xmlns:p14="http://schemas.microsoft.com/office/powerpoint/2010/main" val="2184472291"/>
+      </p:ext>
+    </p:extLst>
+  </p:cSld>
+  <p:clrMapOvr>
+    <a:masterClrMapping/>
+  </p:clrMapOvr>
+</p:sld>
+</file>
+
 <file path=ppt/slides/slide2.xml><?xml version="1.0" encoding="utf-8"?>
 <p:sld xmlns:a="http://schemas.openxmlformats.org/drawingml/2006/main" xmlns:r="http://schemas.openxmlformats.org/officeDocument/2006/relationships" xmlns:p="http://schemas.openxmlformats.org/presentationml/2006/main">
   <p:cSld>
@@ -6282,116 +7085,39 @@
           <a:chExt cx="0" cy="0"/>
         </a:xfrm>
       </p:grpSpPr>
-      <p:sp>
-        <p:nvSpPr>
-          <p:cNvPr id="2" name="Title 1">
-            <a:extLst>
-              <a:ext uri="{FF2B5EF4-FFF2-40B4-BE49-F238E27FC236}">
-                <a16:creationId xmlns:a16="http://schemas.microsoft.com/office/drawing/2014/main" id="{338A15DE-D135-0710-9984-A0A55E960CB0}"/>
-              </a:ext>
-            </a:extLst>
-          </p:cNvPr>
-          <p:cNvSpPr>
-            <a:spLocks noGrp="1"/>
-          </p:cNvSpPr>
-          <p:nvPr>
-            <p:ph type="title"/>
-          </p:nvPr>
-        </p:nvSpPr>
+      <p:pic>
+        <p:nvPicPr>
+          <p:cNvPr id="6" name="Content Placeholder 5">
+            <a:extLst>
+              <a:ext uri="{FF2B5EF4-FFF2-40B4-BE49-F238E27FC236}">
+                <a16:creationId xmlns:a16="http://schemas.microsoft.com/office/drawing/2014/main" id="{E69C2C61-55A7-61BE-702A-0E2BEE2010E4}"/>
+              </a:ext>
+            </a:extLst>
+          </p:cNvPr>
+          <p:cNvPicPr>
+            <a:picLocks noGrp="1" noChangeAspect="1"/>
+          </p:cNvPicPr>
+          <p:nvPr>
+            <p:ph sz="quarter" idx="13"/>
+          </p:nvPr>
+        </p:nvPicPr>
+        <p:blipFill>
+          <a:blip r:embed="rId2"/>
+          <a:stretch>
+            <a:fillRect/>
+          </a:stretch>
+        </p:blipFill>
         <p:spPr>
           <a:xfrm>
-            <a:off x="838201" y="448056"/>
-            <a:ext cx="6172200" cy="1581912"/>
+            <a:off x="1330569" y="763676"/>
+            <a:ext cx="9945571" cy="4702490"/>
           </a:xfrm>
-          <a:noFill/>
         </p:spPr>
-        <p:txBody>
-          <a:bodyPr anchor="b"/>
-          <a:lstStyle/>
-          <a:p>
-            <a:r>
-              <a:rPr lang="en-US" dirty="0"/>
-              <a:t>Performance Evaluation</a:t>
-            </a:r>
-          </a:p>
-        </p:txBody>
-      </p:sp>
-      <p:sp>
-        <p:nvSpPr>
-          <p:cNvPr id="3" name="Content Placeholder 2">
-            <a:extLst>
-              <a:ext uri="{FF2B5EF4-FFF2-40B4-BE49-F238E27FC236}">
-                <a16:creationId xmlns:a16="http://schemas.microsoft.com/office/drawing/2014/main" id="{ECC8AA23-D8D0-93BE-5C5F-103A750B0D2F}"/>
-              </a:ext>
-            </a:extLst>
-          </p:cNvPr>
-          <p:cNvSpPr>
-            <a:spLocks noGrp="1"/>
-          </p:cNvSpPr>
-          <p:nvPr>
-            <p:ph sz="quarter" idx="14"/>
-          </p:nvPr>
-        </p:nvSpPr>
-        <p:spPr>
-          <a:xfrm>
-            <a:off x="838200" y="2257063"/>
-            <a:ext cx="4894006" cy="3904906"/>
-          </a:xfrm>
-          <a:noFill/>
-        </p:spPr>
-        <p:txBody>
-          <a:bodyPr vert="horz" lIns="91440" tIns="45720" rIns="91440" bIns="45720" rtlCol="0" anchor="t">
-            <a:normAutofit/>
-          </a:bodyPr>
-          <a:lstStyle/>
-          <a:p>
-            <a:r>
-              <a:rPr lang="en-US" dirty="0"/>
-              <a:t>- Historical Results (2015–2025):</a:t>
-            </a:r>
-          </a:p>
-          <a:p>
-            <a:r>
-              <a:rPr lang="en-US" dirty="0"/>
-              <a:t>  • Sharpe Ratio: 1.04</a:t>
-            </a:r>
-          </a:p>
-          <a:p>
-            <a:r>
-              <a:rPr lang="en-US" dirty="0"/>
-              <a:t>  • Alpha: 0.0015</a:t>
-            </a:r>
-          </a:p>
-          <a:p>
-            <a:r>
-              <a:rPr lang="en-US" dirty="0"/>
-              <a:t>  • Beta: 1.36</a:t>
-            </a:r>
-          </a:p>
-          <a:p>
-            <a:r>
-              <a:rPr lang="en-US" dirty="0"/>
-              <a:t>  • ROI: 3.4%</a:t>
-            </a:r>
-          </a:p>
-          <a:p>
-            <a:r>
-              <a:rPr lang="en-US" dirty="0"/>
-              <a:t>  • Max Drawdown: &lt; 1%</a:t>
-            </a:r>
-          </a:p>
-          <a:p>
-            <a:r>
-              <a:rPr lang="en-US" dirty="0"/>
-              <a:t>- Monte Carlo confirms robustness across simulations</a:t>
-            </a:r>
-          </a:p>
-        </p:txBody>
-      </p:sp>
+      </p:pic>
     </p:spTree>
     <p:extLst>
       <p:ext uri="{BB962C8B-B14F-4D97-AF65-F5344CB8AC3E}">
-        <p14:creationId xmlns:p14="http://schemas.microsoft.com/office/powerpoint/2010/main" val="1649597717"/>
+        <p14:creationId xmlns:p14="http://schemas.microsoft.com/office/powerpoint/2010/main" val="1671366368"/>
       </p:ext>
     </p:extLst>
   </p:cSld>
@@ -6418,176 +7144,39 @@
           <a:chExt cx="0" cy="0"/>
         </a:xfrm>
       </p:grpSpPr>
-      <p:sp>
-        <p:nvSpPr>
-          <p:cNvPr id="2" name="Title 1">
-            <a:extLst>
-              <a:ext uri="{FF2B5EF4-FFF2-40B4-BE49-F238E27FC236}">
-                <a16:creationId xmlns:a16="http://schemas.microsoft.com/office/drawing/2014/main" id="{314C27C8-165C-5513-DB4B-9D840097C545}"/>
-              </a:ext>
-            </a:extLst>
-          </p:cNvPr>
-          <p:cNvSpPr>
-            <a:spLocks noGrp="1"/>
-          </p:cNvSpPr>
-          <p:nvPr>
-            <p:ph type="title"/>
-          </p:nvPr>
-        </p:nvSpPr>
+      <p:pic>
+        <p:nvPicPr>
+          <p:cNvPr id="6" name="Content Placeholder 5">
+            <a:extLst>
+              <a:ext uri="{FF2B5EF4-FFF2-40B4-BE49-F238E27FC236}">
+                <a16:creationId xmlns:a16="http://schemas.microsoft.com/office/drawing/2014/main" id="{DE962712-15DE-CE8C-B866-CA1F1C211194}"/>
+              </a:ext>
+            </a:extLst>
+          </p:cNvPr>
+          <p:cNvPicPr>
+            <a:picLocks noGrp="1" noChangeAspect="1"/>
+          </p:cNvPicPr>
+          <p:nvPr>
+            <p:ph sz="quarter" idx="13"/>
+          </p:nvPr>
+        </p:nvPicPr>
+        <p:blipFill>
+          <a:blip r:embed="rId2"/>
+          <a:stretch>
+            <a:fillRect/>
+          </a:stretch>
+        </p:blipFill>
         <p:spPr>
           <a:xfrm>
-            <a:off x="838200" y="365760"/>
-            <a:ext cx="10515600" cy="1325880"/>
+            <a:off x="838200" y="403941"/>
+            <a:ext cx="10365712" cy="4928400"/>
           </a:xfrm>
-          <a:noFill/>
         </p:spPr>
-        <p:txBody>
-          <a:bodyPr anchor="ctr"/>
-          <a:lstStyle/>
-          <a:p>
-            <a:r>
-              <a:rPr lang="en-US" dirty="0"/>
-              <a:t>Fee Modeling &amp; Business Insight</a:t>
-            </a:r>
-          </a:p>
-        </p:txBody>
-      </p:sp>
-      <p:sp>
-        <p:nvSpPr>
-          <p:cNvPr id="4" name="Content Placeholder 3">
-            <a:extLst>
-              <a:ext uri="{FF2B5EF4-FFF2-40B4-BE49-F238E27FC236}">
-                <a16:creationId xmlns:a16="http://schemas.microsoft.com/office/drawing/2014/main" id="{83302BFD-960F-CBB3-E984-CDC12813A10C}"/>
-              </a:ext>
-            </a:extLst>
-          </p:cNvPr>
-          <p:cNvSpPr>
-            <a:spLocks noGrp="1"/>
-          </p:cNvSpPr>
-          <p:nvPr>
-            <p:ph sz="quarter" idx="14"/>
-          </p:nvPr>
-        </p:nvSpPr>
-        <p:spPr>
-          <a:xfrm>
-            <a:off x="838200" y="1929207"/>
-            <a:ext cx="6781800" cy="4137189"/>
-          </a:xfrm>
-          <a:noFill/>
-        </p:spPr>
-        <p:txBody>
-          <a:bodyPr>
-            <a:normAutofit/>
-          </a:bodyPr>
-          <a:lstStyle/>
-          <a:p>
-            <a:r>
-              <a:rPr lang="en-US" dirty="0"/>
-              <a:t>Fee Structures Tested: 1–3% management, 10–25% performance</a:t>
-            </a:r>
-          </a:p>
-          <a:p>
-            <a:r>
-              <a:rPr lang="en-US" dirty="0"/>
-              <a:t>- Fund Viability:</a:t>
-            </a:r>
-          </a:p>
-          <a:p>
-            <a:r>
-              <a:rPr lang="en-US" dirty="0"/>
-              <a:t>  • Break-even AUM: ~$3–5 million</a:t>
-            </a:r>
-          </a:p>
-          <a:p>
-            <a:r>
-              <a:rPr lang="en-US" dirty="0"/>
-              <a:t>  • At $5M AUM, net profit ≈ $710K annually</a:t>
-            </a:r>
-          </a:p>
-          <a:p>
-            <a:r>
-              <a:rPr lang="en-US" dirty="0"/>
-              <a:t>  • Higher AUM scales profitability substantially</a:t>
-            </a:r>
-          </a:p>
-        </p:txBody>
-      </p:sp>
-      <p:sp>
-        <p:nvSpPr>
-          <p:cNvPr id="5" name="Rectangle 4">
-            <a:extLst>
-              <a:ext uri="{FF2B5EF4-FFF2-40B4-BE49-F238E27FC236}">
-                <a16:creationId xmlns:a16="http://schemas.microsoft.com/office/drawing/2014/main" id="{C80227B8-A24C-8C29-034A-D7700B887685}"/>
-              </a:ext>
-              <a:ext uri="{C183D7F6-B498-43B3-948B-1728B52AA6E4}">
-                <adec:decorative xmlns:adec="http://schemas.microsoft.com/office/drawing/2017/decorative" val="1"/>
-              </a:ext>
-            </a:extLst>
-          </p:cNvPr>
-          <p:cNvSpPr/>
-          <p:nvPr/>
-        </p:nvSpPr>
-        <p:spPr>
-          <a:xfrm>
-            <a:off x="0" y="6303963"/>
-            <a:ext cx="12192000" cy="554037"/>
-          </a:xfrm>
-          <a:prstGeom prst="rect">
-            <a:avLst/>
-          </a:prstGeom>
-          <a:gradFill flip="none" rotWithShape="1">
-            <a:gsLst>
-              <a:gs pos="0">
-                <a:schemeClr val="accent5"/>
-              </a:gs>
-              <a:gs pos="100000">
-                <a:schemeClr val="accent2">
-                  <a:lumMod val="97000"/>
-                  <a:lumOff val="3000"/>
-                </a:schemeClr>
-              </a:gs>
-              <a:gs pos="50000">
-                <a:schemeClr val="accent1"/>
-              </a:gs>
-            </a:gsLst>
-            <a:lin ang="10800000" scaled="1"/>
-            <a:tileRect/>
-          </a:gradFill>
-          <a:ln>
-            <a:noFill/>
-          </a:ln>
-        </p:spPr>
-        <p:style>
-          <a:lnRef idx="2">
-            <a:schemeClr val="accent1">
-              <a:shade val="50000"/>
-            </a:schemeClr>
-          </a:lnRef>
-          <a:fillRef idx="1">
-            <a:schemeClr val="accent1"/>
-          </a:fillRef>
-          <a:effectRef idx="0">
-            <a:schemeClr val="accent1"/>
-          </a:effectRef>
-          <a:fontRef idx="minor">
-            <a:schemeClr val="lt1"/>
-          </a:fontRef>
-        </p:style>
-        <p:txBody>
-          <a:bodyPr rtlCol="0" anchor="ctr">
-            <a:noAutofit/>
-          </a:bodyPr>
-          <a:lstStyle/>
-          <a:p>
-            <a:pPr algn="ctr"/>
-            <a:endParaRPr lang="en-US" dirty="0"/>
-          </a:p>
-        </p:txBody>
-      </p:sp>
+      </p:pic>
     </p:spTree>
     <p:extLst>
       <p:ext uri="{BB962C8B-B14F-4D97-AF65-F5344CB8AC3E}">
-        <p14:creationId xmlns:p14="http://schemas.microsoft.com/office/powerpoint/2010/main" val="729609147"/>
+        <p14:creationId xmlns:p14="http://schemas.microsoft.com/office/powerpoint/2010/main" val="2114813375"/>
       </p:ext>
     </p:extLst>
   </p:cSld>
@@ -6614,192 +7203,39 @@
           <a:chExt cx="0" cy="0"/>
         </a:xfrm>
       </p:grpSpPr>
-      <p:sp>
-        <p:nvSpPr>
-          <p:cNvPr id="2" name="Title 1">
-            <a:extLst>
-              <a:ext uri="{FF2B5EF4-FFF2-40B4-BE49-F238E27FC236}">
-                <a16:creationId xmlns:a16="http://schemas.microsoft.com/office/drawing/2014/main" id="{5D030A76-B788-B363-104E-266B7C7F7208}"/>
-              </a:ext>
-            </a:extLst>
-          </p:cNvPr>
-          <p:cNvSpPr>
-            <a:spLocks noGrp="1"/>
-          </p:cNvSpPr>
-          <p:nvPr>
-            <p:ph type="title"/>
-          </p:nvPr>
-        </p:nvSpPr>
+      <p:pic>
+        <p:nvPicPr>
+          <p:cNvPr id="6" name="Content Placeholder 5">
+            <a:extLst>
+              <a:ext uri="{FF2B5EF4-FFF2-40B4-BE49-F238E27FC236}">
+                <a16:creationId xmlns:a16="http://schemas.microsoft.com/office/drawing/2014/main" id="{B694C142-B2EE-DD7A-99D5-4DBBC5C299DC}"/>
+              </a:ext>
+            </a:extLst>
+          </p:cNvPr>
+          <p:cNvPicPr>
+            <a:picLocks noGrp="1" noChangeAspect="1"/>
+          </p:cNvPicPr>
+          <p:nvPr>
+            <p:ph sz="quarter" idx="13"/>
+          </p:nvPr>
+        </p:nvPicPr>
+        <p:blipFill>
+          <a:blip r:embed="rId2"/>
+          <a:stretch>
+            <a:fillRect/>
+          </a:stretch>
+        </p:blipFill>
         <p:spPr>
           <a:xfrm>
-            <a:off x="838200" y="365760"/>
-            <a:ext cx="10515600" cy="1325563"/>
+            <a:off x="838200" y="381837"/>
+            <a:ext cx="10548969" cy="4929171"/>
           </a:xfrm>
-          <a:noFill/>
         </p:spPr>
-        <p:txBody>
-          <a:bodyPr anchor="ctr"/>
-          <a:lstStyle/>
-          <a:p>
-            <a:r>
-              <a:rPr lang="en-US" dirty="0"/>
-              <a:t>Management Recommendation</a:t>
-            </a:r>
-          </a:p>
-        </p:txBody>
-      </p:sp>
-      <p:sp>
-        <p:nvSpPr>
-          <p:cNvPr id="3" name="Content Placeholder 2">
-            <a:extLst>
-              <a:ext uri="{FF2B5EF4-FFF2-40B4-BE49-F238E27FC236}">
-                <a16:creationId xmlns:a16="http://schemas.microsoft.com/office/drawing/2014/main" id="{05948542-FCE1-3AE6-C6C9-17975609DF70}"/>
-              </a:ext>
-            </a:extLst>
-          </p:cNvPr>
-          <p:cNvSpPr>
-            <a:spLocks noGrp="1"/>
-          </p:cNvSpPr>
-          <p:nvPr>
-            <p:ph sz="quarter" idx="15"/>
-          </p:nvPr>
-        </p:nvSpPr>
-        <p:spPr>
-          <a:xfrm>
-            <a:off x="838200" y="1790329"/>
-            <a:ext cx="5134335" cy="4113054"/>
-          </a:xfrm>
-          <a:noFill/>
-        </p:spPr>
-        <p:txBody>
-          <a:bodyPr vert="horz" lIns="91440" tIns="45720" rIns="91440" bIns="45720" rtlCol="0" anchor="t">
-            <a:normAutofit fontScale="92500"/>
-          </a:bodyPr>
-          <a:lstStyle/>
-          <a:p>
-            <a:r>
-              <a:rPr lang="en-US" dirty="0"/>
-              <a:t>- Investor View: Viable with strong risk-adjusted returns</a:t>
-            </a:r>
-          </a:p>
-          <a:p>
-            <a:r>
-              <a:rPr lang="en-US" dirty="0"/>
-              <a:t>- Manager View: Profitable above $5M AUM</a:t>
-            </a:r>
-          </a:p>
-          <a:p>
-            <a:r>
-              <a:rPr lang="en-US" dirty="0"/>
-              <a:t>- Business Case: Attractive opportunity for both clients and managers</a:t>
-            </a:r>
-          </a:p>
-          <a:p>
-            <a:r>
-              <a:rPr lang="en-US" dirty="0"/>
-              <a:t>- Proposed Roles:</a:t>
-            </a:r>
-          </a:p>
-          <a:p>
-            <a:r>
-              <a:rPr lang="en-US" dirty="0"/>
-              <a:t>  • Fund Manager</a:t>
-            </a:r>
-          </a:p>
-          <a:p>
-            <a:r>
-              <a:rPr lang="en-US" dirty="0"/>
-              <a:t>  • Research Analyst</a:t>
-            </a:r>
-          </a:p>
-          <a:p>
-            <a:r>
-              <a:rPr lang="en-US" dirty="0"/>
-              <a:t>  • CEO / Operations Lead</a:t>
-            </a:r>
-          </a:p>
-          <a:p>
-            <a:pPr lvl="1"/>
-            <a:endParaRPr lang="en-US" dirty="0"/>
-          </a:p>
-        </p:txBody>
-      </p:sp>
-      <p:sp>
-        <p:nvSpPr>
-          <p:cNvPr id="5" name="Rectangle 4">
-            <a:extLst>
-              <a:ext uri="{FF2B5EF4-FFF2-40B4-BE49-F238E27FC236}">
-                <a16:creationId xmlns:a16="http://schemas.microsoft.com/office/drawing/2014/main" id="{3EE39F69-A1C6-AF25-B91E-7EEE8ED9E9D8}"/>
-              </a:ext>
-              <a:ext uri="{C183D7F6-B498-43B3-948B-1728B52AA6E4}">
-                <adec:decorative xmlns:adec="http://schemas.microsoft.com/office/drawing/2017/decorative" val="1"/>
-              </a:ext>
-            </a:extLst>
-          </p:cNvPr>
-          <p:cNvSpPr/>
-          <p:nvPr/>
-        </p:nvSpPr>
-        <p:spPr>
-          <a:xfrm>
-            <a:off x="0" y="6303963"/>
-            <a:ext cx="12192000" cy="554037"/>
-          </a:xfrm>
-          <a:prstGeom prst="rect">
-            <a:avLst/>
-          </a:prstGeom>
-          <a:gradFill flip="none" rotWithShape="1">
-            <a:gsLst>
-              <a:gs pos="0">
-                <a:schemeClr val="accent5"/>
-              </a:gs>
-              <a:gs pos="100000">
-                <a:schemeClr val="accent2">
-                  <a:lumMod val="97000"/>
-                  <a:lumOff val="3000"/>
-                </a:schemeClr>
-              </a:gs>
-              <a:gs pos="50000">
-                <a:schemeClr val="accent1"/>
-              </a:gs>
-            </a:gsLst>
-            <a:lin ang="10800000" scaled="1"/>
-            <a:tileRect/>
-          </a:gradFill>
-          <a:ln>
-            <a:noFill/>
-          </a:ln>
-        </p:spPr>
-        <p:style>
-          <a:lnRef idx="2">
-            <a:schemeClr val="accent1">
-              <a:shade val="50000"/>
-            </a:schemeClr>
-          </a:lnRef>
-          <a:fillRef idx="1">
-            <a:schemeClr val="accent1"/>
-          </a:fillRef>
-          <a:effectRef idx="0">
-            <a:schemeClr val="accent1"/>
-          </a:effectRef>
-          <a:fontRef idx="minor">
-            <a:schemeClr val="lt1"/>
-          </a:fontRef>
-        </p:style>
-        <p:txBody>
-          <a:bodyPr rtlCol="0" anchor="ctr">
-            <a:noAutofit/>
-          </a:bodyPr>
-          <a:lstStyle/>
-          <a:p>
-            <a:pPr algn="ctr"/>
-            <a:endParaRPr lang="en-US" dirty="0"/>
-          </a:p>
-        </p:txBody>
-      </p:sp>
+      </p:pic>
     </p:spTree>
     <p:extLst>
       <p:ext uri="{BB962C8B-B14F-4D97-AF65-F5344CB8AC3E}">
-        <p14:creationId xmlns:p14="http://schemas.microsoft.com/office/powerpoint/2010/main" val="643777997"/>
+        <p14:creationId xmlns:p14="http://schemas.microsoft.com/office/powerpoint/2010/main" val="2925902778"/>
       </p:ext>
     </p:extLst>
   </p:cSld>
@@ -6826,107 +7262,201 @@
           <a:chExt cx="0" cy="0"/>
         </a:xfrm>
       </p:grpSpPr>
+      <p:sp>
+        <p:nvSpPr>
+          <p:cNvPr id="8" name="Content Placeholder 7">
+            <a:extLst>
+              <a:ext uri="{FF2B5EF4-FFF2-40B4-BE49-F238E27FC236}">
+                <a16:creationId xmlns:a16="http://schemas.microsoft.com/office/drawing/2014/main" id="{E614FD27-8937-9F05-1D78-DBCDB4B0FEA2}"/>
+              </a:ext>
+            </a:extLst>
+          </p:cNvPr>
+          <p:cNvSpPr>
+            <a:spLocks noGrp="1"/>
+          </p:cNvSpPr>
+          <p:nvPr>
+            <p:ph sz="quarter" idx="13"/>
+          </p:nvPr>
+        </p:nvSpPr>
+        <p:spPr/>
+        <p:txBody>
+          <a:bodyPr/>
+          <a:lstStyle/>
+          <a:p>
+            <a:endParaRPr lang="en-US"/>
+          </a:p>
+        </p:txBody>
+      </p:sp>
       <p:pic>
         <p:nvPicPr>
-          <p:cNvPr id="5" name="Picture Placeholder 11" descr="A close up of dots&#10;">
-            <a:extLst>
-              <a:ext uri="{FF2B5EF4-FFF2-40B4-BE49-F238E27FC236}">
-                <a16:creationId xmlns:a16="http://schemas.microsoft.com/office/drawing/2014/main" id="{030E03B4-DAB0-F43D-4B1C-C54F75E621A1}"/>
+          <p:cNvPr id="10" name="Picture 9">
+            <a:extLst>
+              <a:ext uri="{FF2B5EF4-FFF2-40B4-BE49-F238E27FC236}">
+                <a16:creationId xmlns:a16="http://schemas.microsoft.com/office/drawing/2014/main" id="{6CF09F82-490A-8CC7-AD0C-D1F311E49969}"/>
               </a:ext>
             </a:extLst>
           </p:cNvPr>
           <p:cNvPicPr>
-            <a:picLocks noGrp="1" noChangeAspect="1"/>
+            <a:picLocks noChangeAspect="1"/>
           </p:cNvPicPr>
-          <p:nvPr>
-            <p:ph type="pic" sz="quarter" idx="11"/>
-          </p:nvPr>
+          <p:nvPr/>
         </p:nvPicPr>
         <p:blipFill>
           <a:blip r:embed="rId2"/>
-          <a:srcRect/>
-          <a:stretch/>
+          <a:stretch>
+            <a:fillRect/>
+          </a:stretch>
         </p:blipFill>
         <p:spPr>
           <a:xfrm>
-            <a:off x="0" y="0"/>
-            <a:ext cx="12192000" cy="6858000"/>
+            <a:off x="270007" y="389674"/>
+            <a:ext cx="11560542" cy="5616427"/>
           </a:xfrm>
+          <a:prstGeom prst="rect">
+            <a:avLst/>
+          </a:prstGeom>
         </p:spPr>
       </p:pic>
-      <p:sp>
-        <p:nvSpPr>
-          <p:cNvPr id="7" name="Title 6">
-            <a:extLst>
-              <a:ext uri="{FF2B5EF4-FFF2-40B4-BE49-F238E27FC236}">
-                <a16:creationId xmlns:a16="http://schemas.microsoft.com/office/drawing/2014/main" id="{4AB1CD4B-2C7F-1593-8E69-B7450F3DCAD6}"/>
-              </a:ext>
-            </a:extLst>
-          </p:cNvPr>
-          <p:cNvSpPr>
-            <a:spLocks noGrp="1"/>
-          </p:cNvSpPr>
-          <p:nvPr>
-            <p:ph type="title"/>
-          </p:nvPr>
-        </p:nvSpPr>
-        <p:spPr>
-          <a:xfrm>
-            <a:off x="1362437" y="400485"/>
-            <a:ext cx="9467127" cy="2527911"/>
-          </a:xfrm>
-        </p:spPr>
-        <p:txBody>
-          <a:bodyPr/>
-          <a:lstStyle/>
-          <a:p>
-            <a:r>
-              <a:rPr lang="en-US" dirty="0"/>
-              <a:t>THANK YOU</a:t>
-            </a:r>
-          </a:p>
-        </p:txBody>
-      </p:sp>
-      <p:sp>
-        <p:nvSpPr>
-          <p:cNvPr id="8" name="Text Placeholder 7">
-            <a:extLst>
-              <a:ext uri="{FF2B5EF4-FFF2-40B4-BE49-F238E27FC236}">
-                <a16:creationId xmlns:a16="http://schemas.microsoft.com/office/drawing/2014/main" id="{86613063-168A-02B8-4326-BB842F3B83E2}"/>
-              </a:ext>
-            </a:extLst>
-          </p:cNvPr>
-          <p:cNvSpPr>
-            <a:spLocks noGrp="1"/>
-          </p:cNvSpPr>
-          <p:nvPr>
-            <p:ph type="body" sz="quarter" idx="10"/>
-          </p:nvPr>
-        </p:nvSpPr>
-        <p:spPr>
-          <a:xfrm>
-            <a:off x="1362075" y="3738622"/>
-            <a:ext cx="9467850" cy="2527911"/>
-          </a:xfrm>
-        </p:spPr>
-        <p:txBody>
-          <a:bodyPr/>
-          <a:lstStyle/>
-          <a:p>
-            <a:r>
-              <a:rPr lang="en-US" dirty="0"/>
-              <a:t>Blade Robelly</a:t>
-            </a:r>
-          </a:p>
-          <a:p>
-            <a:endParaRPr lang="en-US" dirty="0"/>
-          </a:p>
-        </p:txBody>
-      </p:sp>
     </p:spTree>
     <p:extLst>
       <p:ext uri="{BB962C8B-B14F-4D97-AF65-F5344CB8AC3E}">
-        <p14:creationId xmlns:p14="http://schemas.microsoft.com/office/powerpoint/2010/main" val="2184472291"/>
+        <p14:creationId xmlns:p14="http://schemas.microsoft.com/office/powerpoint/2010/main" val="1580045037"/>
+      </p:ext>
+    </p:extLst>
+  </p:cSld>
+  <p:clrMapOvr>
+    <a:masterClrMapping/>
+  </p:clrMapOvr>
+</p:sld>
+</file>
+
+<file path=ppt/slides/slide9.xml><?xml version="1.0" encoding="utf-8"?>
+<p:sld xmlns:a="http://schemas.openxmlformats.org/drawingml/2006/main" xmlns:r="http://schemas.openxmlformats.org/officeDocument/2006/relationships" xmlns:p="http://schemas.openxmlformats.org/presentationml/2006/main">
+  <p:cSld>
+    <p:spTree>
+      <p:nvGrpSpPr>
+        <p:cNvPr id="1" name=""/>
+        <p:cNvGrpSpPr/>
+        <p:nvPr/>
+      </p:nvGrpSpPr>
+      <p:grpSpPr>
+        <a:xfrm>
+          <a:off x="0" y="0"/>
+          <a:ext cx="0" cy="0"/>
+          <a:chOff x="0" y="0"/>
+          <a:chExt cx="0" cy="0"/>
+        </a:xfrm>
+      </p:grpSpPr>
+      <p:sp>
+        <p:nvSpPr>
+          <p:cNvPr id="2" name="Title 1">
+            <a:extLst>
+              <a:ext uri="{FF2B5EF4-FFF2-40B4-BE49-F238E27FC236}">
+                <a16:creationId xmlns:a16="http://schemas.microsoft.com/office/drawing/2014/main" id="{338A15DE-D135-0710-9984-A0A55E960CB0}"/>
+              </a:ext>
+            </a:extLst>
+          </p:cNvPr>
+          <p:cNvSpPr>
+            <a:spLocks noGrp="1"/>
+          </p:cNvSpPr>
+          <p:nvPr>
+            <p:ph type="title"/>
+          </p:nvPr>
+        </p:nvSpPr>
+        <p:spPr>
+          <a:xfrm>
+            <a:off x="838201" y="448056"/>
+            <a:ext cx="6172200" cy="1581912"/>
+          </a:xfrm>
+          <a:noFill/>
+        </p:spPr>
+        <p:txBody>
+          <a:bodyPr anchor="b"/>
+          <a:lstStyle/>
+          <a:p>
+            <a:r>
+              <a:rPr lang="en-US" dirty="0"/>
+              <a:t>Performance Evaluation</a:t>
+            </a:r>
+          </a:p>
+        </p:txBody>
+      </p:sp>
+      <p:sp>
+        <p:nvSpPr>
+          <p:cNvPr id="3" name="Content Placeholder 2">
+            <a:extLst>
+              <a:ext uri="{FF2B5EF4-FFF2-40B4-BE49-F238E27FC236}">
+                <a16:creationId xmlns:a16="http://schemas.microsoft.com/office/drawing/2014/main" id="{ECC8AA23-D8D0-93BE-5C5F-103A750B0D2F}"/>
+              </a:ext>
+            </a:extLst>
+          </p:cNvPr>
+          <p:cNvSpPr>
+            <a:spLocks noGrp="1"/>
+          </p:cNvSpPr>
+          <p:nvPr>
+            <p:ph sz="quarter" idx="14"/>
+          </p:nvPr>
+        </p:nvSpPr>
+        <p:spPr>
+          <a:xfrm>
+            <a:off x="838200" y="2257063"/>
+            <a:ext cx="4894006" cy="3904906"/>
+          </a:xfrm>
+          <a:noFill/>
+        </p:spPr>
+        <p:txBody>
+          <a:bodyPr vert="horz" lIns="91440" tIns="45720" rIns="91440" bIns="45720" rtlCol="0" anchor="t">
+            <a:normAutofit/>
+          </a:bodyPr>
+          <a:lstStyle/>
+          <a:p>
+            <a:r>
+              <a:rPr lang="en-US" dirty="0"/>
+              <a:t>- Historical Results (2015–2025):</a:t>
+            </a:r>
+          </a:p>
+          <a:p>
+            <a:r>
+              <a:rPr lang="en-US" dirty="0"/>
+              <a:t>  • Sharpe Ratio: 1.04</a:t>
+            </a:r>
+          </a:p>
+          <a:p>
+            <a:r>
+              <a:rPr lang="en-US" dirty="0"/>
+              <a:t>  • Alpha: 0.0015</a:t>
+            </a:r>
+          </a:p>
+          <a:p>
+            <a:r>
+              <a:rPr lang="en-US" dirty="0"/>
+              <a:t>  • Beta: 1.36</a:t>
+            </a:r>
+          </a:p>
+          <a:p>
+            <a:r>
+              <a:rPr lang="en-US" dirty="0"/>
+              <a:t>  • ROI: 3.4%</a:t>
+            </a:r>
+          </a:p>
+          <a:p>
+            <a:r>
+              <a:rPr lang="en-US" dirty="0"/>
+              <a:t>  • Max Drawdown: &lt; 1%</a:t>
+            </a:r>
+          </a:p>
+          <a:p>
+            <a:r>
+              <a:rPr lang="en-US" dirty="0"/>
+              <a:t>- Monte Carlo confirms robustness across simulations</a:t>
+            </a:r>
+          </a:p>
+        </p:txBody>
+      </p:sp>
+    </p:spTree>
+    <p:extLst>
+      <p:ext uri="{BB962C8B-B14F-4D97-AF65-F5344CB8AC3E}">
+        <p14:creationId xmlns:p14="http://schemas.microsoft.com/office/powerpoint/2010/main" val="1649597717"/>
       </p:ext>
     </p:extLst>
   </p:cSld>
